--- a/patterns.pptx
+++ b/patterns.pptx
@@ -5,7 +5,9 @@
     <p:sldMasterId id="2147483648" r:id="rId1"/>
   </p:sldMasterIdLst>
   <p:sldIdLst>
-    <p:sldId id="256" r:id="rId2"/>
+    <p:sldId id="257" r:id="rId2"/>
+    <p:sldId id="256" r:id="rId3"/>
+    <p:sldId id="258" r:id="rId4"/>
   </p:sldIdLst>
   <p:sldSz cx="12192000" cy="6858000"/>
   <p:notesSz cx="6858000" cy="9144000"/>
@@ -2966,6 +2968,965 @@
       </p:grpSpPr>
       <p:grpSp>
         <p:nvGrpSpPr>
+          <p:cNvPr id="4" name="Group 3"/>
+          <p:cNvGrpSpPr/>
+          <p:nvPr/>
+        </p:nvGrpSpPr>
+        <p:grpSpPr>
+          <a:xfrm>
+            <a:off x="5029200" y="3352800"/>
+            <a:ext cx="4699000" cy="2933700"/>
+            <a:chOff x="3657600" y="266700"/>
+            <a:chExt cx="3175000" cy="2413000"/>
+          </a:xfrm>
+        </p:grpSpPr>
+        <p:sp>
+          <p:nvSpPr>
+            <p:cNvPr id="5" name="Rectangle 4"/>
+            <p:cNvSpPr/>
+            <p:nvPr/>
+          </p:nvSpPr>
+          <p:spPr>
+            <a:xfrm>
+              <a:off x="3657600" y="266700"/>
+              <a:ext cx="3175000" cy="2413000"/>
+            </a:xfrm>
+            <a:prstGeom prst="rect">
+              <a:avLst/>
+            </a:prstGeom>
+            <a:solidFill>
+              <a:schemeClr val="accent4">
+                <a:lumMod val="20000"/>
+                <a:lumOff val="80000"/>
+              </a:schemeClr>
+            </a:solidFill>
+          </p:spPr>
+          <p:style>
+            <a:lnRef idx="2">
+              <a:schemeClr val="accent6"/>
+            </a:lnRef>
+            <a:fillRef idx="1">
+              <a:schemeClr val="lt1"/>
+            </a:fillRef>
+            <a:effectRef idx="0">
+              <a:schemeClr val="accent6"/>
+            </a:effectRef>
+            <a:fontRef idx="minor">
+              <a:schemeClr val="dk1"/>
+            </a:fontRef>
+          </p:style>
+          <p:txBody>
+            <a:bodyPr rtlCol="0" anchor="ctr"/>
+            <a:lstStyle/>
+            <a:p>
+              <a:pPr algn="ctr"/>
+              <a:endParaRPr lang="fr-FR" dirty="0" smtClean="0"/>
+            </a:p>
+            <a:p>
+              <a:pPr algn="ctr"/>
+              <a:endParaRPr lang="fr-FR" dirty="0"/>
+            </a:p>
+            <a:p>
+              <a:pPr algn="ctr"/>
+              <a:endParaRPr lang="fr-FR" dirty="0" smtClean="0"/>
+            </a:p>
+            <a:p>
+              <a:pPr algn="ctr"/>
+              <a:endParaRPr lang="fr-FR" dirty="0" smtClean="0"/>
+            </a:p>
+            <a:p>
+              <a:pPr algn="ctr"/>
+              <a:r>
+                <a:rPr lang="fr-FR" dirty="0" smtClean="0"/>
+                <a:t>+ </a:t>
+              </a:r>
+              <a:r>
+                <a:rPr lang="fr-FR" dirty="0" err="1" smtClean="0"/>
+                <a:t>DessinComposite</a:t>
+              </a:r>
+              <a:r>
+                <a:rPr lang="fr-FR" dirty="0" smtClean="0"/>
+                <a:t>() : </a:t>
+              </a:r>
+              <a:r>
+                <a:rPr lang="fr-FR" dirty="0" err="1" smtClean="0"/>
+                <a:t>DessinComposite</a:t>
+              </a:r>
+              <a:endParaRPr lang="fr-FR" dirty="0"/>
+            </a:p>
+            <a:p>
+              <a:pPr algn="ctr"/>
+              <a:r>
+                <a:rPr lang="fr-FR" dirty="0" smtClean="0"/>
+                <a:t>+ dessiner() : </a:t>
+              </a:r>
+              <a:r>
+                <a:rPr lang="fr-FR" dirty="0" err="1" smtClean="0"/>
+                <a:t>void</a:t>
+              </a:r>
+              <a:endParaRPr lang="fr-FR" dirty="0" smtClean="0"/>
+            </a:p>
+            <a:p>
+              <a:pPr algn="ctr"/>
+              <a:r>
+                <a:rPr lang="fr-FR" dirty="0" smtClean="0"/>
+                <a:t>+ remplir() : </a:t>
+              </a:r>
+              <a:r>
+                <a:rPr lang="fr-FR" dirty="0" err="1" smtClean="0"/>
+                <a:t>void</a:t>
+              </a:r>
+              <a:endParaRPr lang="fr-FR" dirty="0" smtClean="0"/>
+            </a:p>
+            <a:p>
+              <a:pPr algn="ctr"/>
+              <a:r>
+                <a:rPr lang="fr-FR" dirty="0" smtClean="0"/>
+                <a:t>+ </a:t>
+              </a:r>
+              <a:r>
+                <a:rPr lang="fr-FR" dirty="0" err="1" smtClean="0"/>
+                <a:t>inserer</a:t>
+              </a:r>
+              <a:r>
+                <a:rPr lang="fr-FR" dirty="0" smtClean="0"/>
+                <a:t>(Dessin) : </a:t>
+              </a:r>
+              <a:r>
+                <a:rPr lang="fr-FR" dirty="0" err="1" smtClean="0"/>
+                <a:t>void</a:t>
+              </a:r>
+              <a:endParaRPr lang="fr-FR" dirty="0" smtClean="0"/>
+            </a:p>
+            <a:p>
+              <a:pPr algn="ctr"/>
+              <a:r>
+                <a:rPr lang="fr-FR" dirty="0" smtClean="0"/>
+                <a:t>+ </a:t>
+              </a:r>
+              <a:r>
+                <a:rPr lang="fr-FR" dirty="0" err="1" smtClean="0"/>
+                <a:t>etiqueter</a:t>
+              </a:r>
+              <a:r>
+                <a:rPr lang="fr-FR" dirty="0" smtClean="0"/>
+                <a:t>(String) : </a:t>
+              </a:r>
+              <a:r>
+                <a:rPr lang="fr-FR" dirty="0" err="1" smtClean="0"/>
+                <a:t>void</a:t>
+              </a:r>
+              <a:endParaRPr lang="fr-FR" dirty="0" smtClean="0"/>
+            </a:p>
+            <a:p>
+              <a:pPr algn="ctr"/>
+              <a:r>
+                <a:rPr lang="fr-FR" dirty="0" smtClean="0"/>
+                <a:t>+ </a:t>
+              </a:r>
+              <a:r>
+                <a:rPr lang="fr-FR" dirty="0" err="1" smtClean="0"/>
+                <a:t>creerDessinComposite</a:t>
+              </a:r>
+              <a:r>
+                <a:rPr lang="fr-FR" dirty="0" smtClean="0"/>
+                <a:t>() : </a:t>
+              </a:r>
+              <a:r>
+                <a:rPr lang="fr-FR" dirty="0" err="1" smtClean="0"/>
+                <a:t>DessinComposite</a:t>
+              </a:r>
+              <a:endParaRPr lang="fr-FR" dirty="0"/>
+            </a:p>
+          </p:txBody>
+        </p:sp>
+        <p:sp>
+          <p:nvSpPr>
+            <p:cNvPr id="6" name="Rectangle 5"/>
+            <p:cNvSpPr/>
+            <p:nvPr/>
+          </p:nvSpPr>
+          <p:spPr>
+            <a:xfrm>
+              <a:off x="3657600" y="266700"/>
+              <a:ext cx="3175000" cy="850900"/>
+            </a:xfrm>
+            <a:prstGeom prst="rect">
+              <a:avLst/>
+            </a:prstGeom>
+            <a:solidFill>
+              <a:schemeClr val="accent4">
+                <a:lumMod val="20000"/>
+                <a:lumOff val="80000"/>
+              </a:schemeClr>
+            </a:solidFill>
+          </p:spPr>
+          <p:style>
+            <a:lnRef idx="2">
+              <a:schemeClr val="accent6"/>
+            </a:lnRef>
+            <a:fillRef idx="1">
+              <a:schemeClr val="lt1"/>
+            </a:fillRef>
+            <a:effectRef idx="0">
+              <a:schemeClr val="accent6"/>
+            </a:effectRef>
+            <a:fontRef idx="minor">
+              <a:schemeClr val="dk1"/>
+            </a:fontRef>
+          </p:style>
+          <p:txBody>
+            <a:bodyPr rtlCol="0" anchor="ctr"/>
+            <a:lstStyle/>
+            <a:p>
+              <a:pPr algn="ctr"/>
+              <a:r>
+                <a:rPr lang="fr-FR" sz="1200" dirty="0" smtClean="0"/>
+                <a:t>&lt;&lt;&lt;Java Class&gt;&gt;&gt;</a:t>
+              </a:r>
+            </a:p>
+            <a:p>
+              <a:pPr algn="ctr"/>
+              <a:r>
+                <a:rPr lang="fr-FR" dirty="0" err="1" smtClean="0"/>
+                <a:t>DessinComposite</a:t>
+              </a:r>
+              <a:endParaRPr lang="fr-FR" dirty="0" smtClean="0"/>
+            </a:p>
+            <a:p>
+              <a:pPr algn="ctr"/>
+              <a:r>
+                <a:rPr lang="fr-FR" sz="1200" dirty="0" err="1" smtClean="0"/>
+                <a:t>src.abstraction</a:t>
+              </a:r>
+              <a:endParaRPr lang="fr-FR" sz="1200" dirty="0"/>
+            </a:p>
+          </p:txBody>
+        </p:sp>
+      </p:grpSp>
+      <p:grpSp>
+        <p:nvGrpSpPr>
+          <p:cNvPr id="7" name="Group 6"/>
+          <p:cNvGrpSpPr/>
+          <p:nvPr/>
+        </p:nvGrpSpPr>
+        <p:grpSpPr>
+          <a:xfrm>
+            <a:off x="558800" y="3352800"/>
+            <a:ext cx="4102100" cy="2717800"/>
+            <a:chOff x="3657600" y="266700"/>
+            <a:chExt cx="3175000" cy="2413000"/>
+          </a:xfrm>
+        </p:grpSpPr>
+        <p:sp>
+          <p:nvSpPr>
+            <p:cNvPr id="8" name="Rectangle 7"/>
+            <p:cNvSpPr/>
+            <p:nvPr/>
+          </p:nvSpPr>
+          <p:spPr>
+            <a:xfrm>
+              <a:off x="3657600" y="266700"/>
+              <a:ext cx="3175000" cy="2413000"/>
+            </a:xfrm>
+            <a:prstGeom prst="rect">
+              <a:avLst/>
+            </a:prstGeom>
+            <a:solidFill>
+              <a:schemeClr val="accent4">
+                <a:lumMod val="20000"/>
+                <a:lumOff val="80000"/>
+              </a:schemeClr>
+            </a:solidFill>
+          </p:spPr>
+          <p:style>
+            <a:lnRef idx="2">
+              <a:schemeClr val="accent6"/>
+            </a:lnRef>
+            <a:fillRef idx="1">
+              <a:schemeClr val="lt1"/>
+            </a:fillRef>
+            <a:effectRef idx="0">
+              <a:schemeClr val="accent6"/>
+            </a:effectRef>
+            <a:fontRef idx="minor">
+              <a:schemeClr val="dk1"/>
+            </a:fontRef>
+          </p:style>
+          <p:txBody>
+            <a:bodyPr rtlCol="0" anchor="ctr"/>
+            <a:lstStyle/>
+            <a:p>
+              <a:pPr algn="ctr"/>
+              <a:endParaRPr lang="fr-FR" dirty="0" smtClean="0"/>
+            </a:p>
+            <a:p>
+              <a:pPr algn="ctr"/>
+              <a:endParaRPr lang="fr-FR" dirty="0"/>
+            </a:p>
+            <a:p>
+              <a:pPr algn="ctr"/>
+              <a:endParaRPr lang="fr-FR" dirty="0" smtClean="0"/>
+            </a:p>
+            <a:p>
+              <a:pPr algn="ctr"/>
+              <a:endParaRPr lang="fr-FR" dirty="0" smtClean="0"/>
+            </a:p>
+            <a:p>
+              <a:pPr algn="ctr"/>
+              <a:r>
+                <a:rPr lang="fr-FR" dirty="0" smtClean="0"/>
+                <a:t>- </a:t>
+              </a:r>
+              <a:r>
+                <a:rPr lang="fr-FR" dirty="0" err="1" smtClean="0"/>
+                <a:t>DessinVide</a:t>
+              </a:r>
+              <a:r>
+                <a:rPr lang="fr-FR" dirty="0" smtClean="0"/>
+                <a:t>() : </a:t>
+              </a:r>
+              <a:r>
+                <a:rPr lang="fr-FR" dirty="0" err="1" smtClean="0"/>
+                <a:t>DessinVide</a:t>
+              </a:r>
+              <a:endParaRPr lang="fr-FR" dirty="0"/>
+            </a:p>
+            <a:p>
+              <a:pPr algn="ctr"/>
+              <a:r>
+                <a:rPr lang="fr-FR" dirty="0" smtClean="0"/>
+                <a:t>+ dessiner() : </a:t>
+              </a:r>
+              <a:r>
+                <a:rPr lang="fr-FR" dirty="0" err="1" smtClean="0"/>
+                <a:t>void</a:t>
+              </a:r>
+              <a:endParaRPr lang="fr-FR" dirty="0" smtClean="0"/>
+            </a:p>
+            <a:p>
+              <a:pPr algn="ctr"/>
+              <a:r>
+                <a:rPr lang="fr-FR" dirty="0" smtClean="0"/>
+                <a:t>+ remplir() : </a:t>
+              </a:r>
+              <a:r>
+                <a:rPr lang="fr-FR" dirty="0" err="1" smtClean="0"/>
+                <a:t>void</a:t>
+              </a:r>
+              <a:endParaRPr lang="fr-FR" dirty="0" smtClean="0"/>
+            </a:p>
+            <a:p>
+              <a:pPr algn="ctr"/>
+              <a:r>
+                <a:rPr lang="fr-FR" dirty="0" smtClean="0"/>
+                <a:t>+ </a:t>
+              </a:r>
+              <a:r>
+                <a:rPr lang="fr-FR" dirty="0" err="1" smtClean="0"/>
+                <a:t>inserer</a:t>
+              </a:r>
+              <a:r>
+                <a:rPr lang="fr-FR" dirty="0" smtClean="0"/>
+                <a:t>(Dessin) : </a:t>
+              </a:r>
+              <a:r>
+                <a:rPr lang="fr-FR" dirty="0" err="1" smtClean="0"/>
+                <a:t>void</a:t>
+              </a:r>
+              <a:endParaRPr lang="fr-FR" dirty="0" smtClean="0"/>
+            </a:p>
+            <a:p>
+              <a:pPr algn="ctr"/>
+              <a:r>
+                <a:rPr lang="fr-FR" dirty="0" smtClean="0"/>
+                <a:t>+ </a:t>
+              </a:r>
+              <a:r>
+                <a:rPr lang="fr-FR" dirty="0" err="1" smtClean="0"/>
+                <a:t>etiqueter</a:t>
+              </a:r>
+              <a:r>
+                <a:rPr lang="fr-FR" dirty="0" smtClean="0"/>
+                <a:t>(String) : </a:t>
+              </a:r>
+              <a:r>
+                <a:rPr lang="fr-FR" dirty="0" err="1" smtClean="0"/>
+                <a:t>void</a:t>
+              </a:r>
+              <a:endParaRPr lang="fr-FR" dirty="0" smtClean="0"/>
+            </a:p>
+            <a:p>
+              <a:pPr algn="ctr"/>
+              <a:endParaRPr lang="fr-FR" dirty="0"/>
+            </a:p>
+          </p:txBody>
+        </p:sp>
+        <p:sp>
+          <p:nvSpPr>
+            <p:cNvPr id="9" name="Rectangle 8"/>
+            <p:cNvSpPr/>
+            <p:nvPr/>
+          </p:nvSpPr>
+          <p:spPr>
+            <a:xfrm>
+              <a:off x="3657600" y="266700"/>
+              <a:ext cx="3175000" cy="850900"/>
+            </a:xfrm>
+            <a:prstGeom prst="rect">
+              <a:avLst/>
+            </a:prstGeom>
+            <a:solidFill>
+              <a:schemeClr val="accent4">
+                <a:lumMod val="20000"/>
+                <a:lumOff val="80000"/>
+              </a:schemeClr>
+            </a:solidFill>
+          </p:spPr>
+          <p:style>
+            <a:lnRef idx="2">
+              <a:schemeClr val="accent6"/>
+            </a:lnRef>
+            <a:fillRef idx="1">
+              <a:schemeClr val="lt1"/>
+            </a:fillRef>
+            <a:effectRef idx="0">
+              <a:schemeClr val="accent6"/>
+            </a:effectRef>
+            <a:fontRef idx="minor">
+              <a:schemeClr val="dk1"/>
+            </a:fontRef>
+          </p:style>
+          <p:txBody>
+            <a:bodyPr rtlCol="0" anchor="ctr"/>
+            <a:lstStyle/>
+            <a:p>
+              <a:pPr algn="ctr"/>
+              <a:r>
+                <a:rPr lang="fr-FR" sz="1200" dirty="0" smtClean="0"/>
+                <a:t>&lt;&lt;&lt;Java Class&gt;&gt;&gt;</a:t>
+              </a:r>
+            </a:p>
+            <a:p>
+              <a:pPr algn="ctr"/>
+              <a:r>
+                <a:rPr lang="fr-FR" dirty="0" err="1" smtClean="0"/>
+                <a:t>DessinVide</a:t>
+              </a:r>
+              <a:endParaRPr lang="fr-FR" dirty="0" smtClean="0"/>
+            </a:p>
+            <a:p>
+              <a:pPr algn="ctr"/>
+              <a:r>
+                <a:rPr lang="fr-FR" sz="1200" dirty="0" err="1" smtClean="0"/>
+                <a:t>src.abstraction</a:t>
+              </a:r>
+              <a:endParaRPr lang="fr-FR" sz="1200" dirty="0"/>
+            </a:p>
+          </p:txBody>
+        </p:sp>
+      </p:grpSp>
+      <p:grpSp>
+        <p:nvGrpSpPr>
+          <p:cNvPr id="10" name="Group 9"/>
+          <p:cNvGrpSpPr/>
+          <p:nvPr/>
+        </p:nvGrpSpPr>
+        <p:grpSpPr>
+          <a:xfrm>
+            <a:off x="2882900" y="234482"/>
+            <a:ext cx="4102100" cy="2717800"/>
+            <a:chOff x="3657600" y="266700"/>
+            <a:chExt cx="3175000" cy="2413000"/>
+          </a:xfrm>
+        </p:grpSpPr>
+        <p:sp>
+          <p:nvSpPr>
+            <p:cNvPr id="11" name="Rectangle 10"/>
+            <p:cNvSpPr/>
+            <p:nvPr/>
+          </p:nvSpPr>
+          <p:spPr>
+            <a:xfrm>
+              <a:off x="3657600" y="266700"/>
+              <a:ext cx="3175000" cy="2413000"/>
+            </a:xfrm>
+            <a:prstGeom prst="rect">
+              <a:avLst/>
+            </a:prstGeom>
+            <a:solidFill>
+              <a:schemeClr val="accent4">
+                <a:lumMod val="20000"/>
+                <a:lumOff val="80000"/>
+              </a:schemeClr>
+            </a:solidFill>
+          </p:spPr>
+          <p:style>
+            <a:lnRef idx="2">
+              <a:schemeClr val="accent6"/>
+            </a:lnRef>
+            <a:fillRef idx="1">
+              <a:schemeClr val="lt1"/>
+            </a:fillRef>
+            <a:effectRef idx="0">
+              <a:schemeClr val="accent6"/>
+            </a:effectRef>
+            <a:fontRef idx="minor">
+              <a:schemeClr val="dk1"/>
+            </a:fontRef>
+          </p:style>
+          <p:txBody>
+            <a:bodyPr rtlCol="0" anchor="ctr"/>
+            <a:lstStyle/>
+            <a:p>
+              <a:pPr algn="ctr"/>
+              <a:endParaRPr lang="fr-FR" dirty="0" smtClean="0"/>
+            </a:p>
+            <a:p>
+              <a:pPr algn="ctr"/>
+              <a:endParaRPr lang="fr-FR" dirty="0"/>
+            </a:p>
+            <a:p>
+              <a:pPr algn="ctr"/>
+              <a:endParaRPr lang="fr-FR" dirty="0" smtClean="0"/>
+            </a:p>
+            <a:p>
+              <a:pPr algn="ctr"/>
+              <a:endParaRPr lang="fr-FR" dirty="0"/>
+            </a:p>
+            <a:p>
+              <a:pPr algn="ctr"/>
+              <a:r>
+                <a:rPr lang="fr-FR" dirty="0" smtClean="0"/>
+                <a:t>+ dessiner() : </a:t>
+              </a:r>
+              <a:r>
+                <a:rPr lang="fr-FR" dirty="0" err="1" smtClean="0"/>
+                <a:t>void</a:t>
+              </a:r>
+              <a:endParaRPr lang="fr-FR" dirty="0" smtClean="0"/>
+            </a:p>
+            <a:p>
+              <a:pPr algn="ctr"/>
+              <a:r>
+                <a:rPr lang="fr-FR" dirty="0" smtClean="0"/>
+                <a:t>+ remplir() : </a:t>
+              </a:r>
+              <a:r>
+                <a:rPr lang="fr-FR" dirty="0" err="1" smtClean="0"/>
+                <a:t>void</a:t>
+              </a:r>
+              <a:endParaRPr lang="fr-FR" dirty="0" smtClean="0"/>
+            </a:p>
+            <a:p>
+              <a:pPr algn="ctr"/>
+              <a:r>
+                <a:rPr lang="fr-FR" dirty="0" smtClean="0"/>
+                <a:t>+ </a:t>
+              </a:r>
+              <a:r>
+                <a:rPr lang="fr-FR" dirty="0" err="1" smtClean="0"/>
+                <a:t>inserer</a:t>
+              </a:r>
+              <a:r>
+                <a:rPr lang="fr-FR" dirty="0" smtClean="0"/>
+                <a:t>(Dessin) : </a:t>
+              </a:r>
+              <a:r>
+                <a:rPr lang="fr-FR" dirty="0" err="1" smtClean="0"/>
+                <a:t>void</a:t>
+              </a:r>
+              <a:endParaRPr lang="fr-FR" dirty="0" smtClean="0"/>
+            </a:p>
+            <a:p>
+              <a:pPr algn="ctr"/>
+              <a:r>
+                <a:rPr lang="fr-FR" dirty="0" smtClean="0"/>
+                <a:t>+ </a:t>
+              </a:r>
+              <a:r>
+                <a:rPr lang="fr-FR" dirty="0" err="1" smtClean="0"/>
+                <a:t>etiqueter</a:t>
+              </a:r>
+              <a:r>
+                <a:rPr lang="fr-FR" dirty="0" smtClean="0"/>
+                <a:t>(String) : </a:t>
+              </a:r>
+              <a:r>
+                <a:rPr lang="fr-FR" dirty="0" err="1" smtClean="0"/>
+                <a:t>void</a:t>
+              </a:r>
+              <a:endParaRPr lang="fr-FR" dirty="0" smtClean="0"/>
+            </a:p>
+            <a:p>
+              <a:pPr algn="ctr"/>
+              <a:endParaRPr lang="fr-FR" dirty="0"/>
+            </a:p>
+          </p:txBody>
+        </p:sp>
+        <p:sp>
+          <p:nvSpPr>
+            <p:cNvPr id="12" name="Rectangle 11"/>
+            <p:cNvSpPr/>
+            <p:nvPr/>
+          </p:nvSpPr>
+          <p:spPr>
+            <a:xfrm>
+              <a:off x="3657600" y="266700"/>
+              <a:ext cx="3175000" cy="850900"/>
+            </a:xfrm>
+            <a:prstGeom prst="rect">
+              <a:avLst/>
+            </a:prstGeom>
+            <a:solidFill>
+              <a:schemeClr val="accent4">
+                <a:lumMod val="20000"/>
+                <a:lumOff val="80000"/>
+              </a:schemeClr>
+            </a:solidFill>
+          </p:spPr>
+          <p:style>
+            <a:lnRef idx="2">
+              <a:schemeClr val="accent6"/>
+            </a:lnRef>
+            <a:fillRef idx="1">
+              <a:schemeClr val="lt1"/>
+            </a:fillRef>
+            <a:effectRef idx="0">
+              <a:schemeClr val="accent6"/>
+            </a:effectRef>
+            <a:fontRef idx="minor">
+              <a:schemeClr val="dk1"/>
+            </a:fontRef>
+          </p:style>
+          <p:txBody>
+            <a:bodyPr rtlCol="0" anchor="ctr"/>
+            <a:lstStyle/>
+            <a:p>
+              <a:pPr algn="ctr"/>
+              <a:r>
+                <a:rPr lang="fr-FR" sz="1200" dirty="0" smtClean="0"/>
+                <a:t>&lt;&lt;&lt;Java Class&gt;&gt;&gt;</a:t>
+              </a:r>
+            </a:p>
+            <a:p>
+              <a:pPr algn="ctr"/>
+              <a:r>
+                <a:rPr lang="fr-FR" dirty="0" smtClean="0"/>
+                <a:t>Dessin</a:t>
+              </a:r>
+            </a:p>
+            <a:p>
+              <a:pPr algn="ctr"/>
+              <a:r>
+                <a:rPr lang="fr-FR" sz="1200" dirty="0" err="1" smtClean="0"/>
+                <a:t>src.abstraction</a:t>
+              </a:r>
+              <a:endParaRPr lang="fr-FR" sz="1200" dirty="0"/>
+            </a:p>
+          </p:txBody>
+        </p:sp>
+      </p:grpSp>
+      <p:cxnSp>
+        <p:nvCxnSpPr>
+          <p:cNvPr id="14" name="Straight Arrow Connector 13"/>
+          <p:cNvCxnSpPr>
+            <a:endCxn id="11" idx="2"/>
+          </p:cNvCxnSpPr>
+          <p:nvPr/>
+        </p:nvCxnSpPr>
+        <p:spPr>
+          <a:xfrm flipV="1">
+            <a:off x="4933950" y="2952282"/>
+            <a:ext cx="0" cy="197318"/>
+          </a:xfrm>
+          <a:prstGeom prst="straightConnector1">
+            <a:avLst/>
+          </a:prstGeom>
+          <a:ln>
+            <a:tailEnd type="triangle"/>
+          </a:ln>
+        </p:spPr>
+        <p:style>
+          <a:lnRef idx="1">
+            <a:schemeClr val="dk1"/>
+          </a:lnRef>
+          <a:fillRef idx="0">
+            <a:schemeClr val="dk1"/>
+          </a:fillRef>
+          <a:effectRef idx="0">
+            <a:schemeClr val="dk1"/>
+          </a:effectRef>
+          <a:fontRef idx="minor">
+            <a:schemeClr val="tx1"/>
+          </a:fontRef>
+        </p:style>
+      </p:cxnSp>
+      <p:cxnSp>
+        <p:nvCxnSpPr>
+          <p:cNvPr id="16" name="Straight Connector 15"/>
+          <p:cNvCxnSpPr/>
+          <p:nvPr/>
+        </p:nvCxnSpPr>
+        <p:spPr>
+          <a:xfrm>
+            <a:off x="2609850" y="3149600"/>
+            <a:ext cx="4895850" cy="0"/>
+          </a:xfrm>
+          <a:prstGeom prst="line">
+            <a:avLst/>
+          </a:prstGeom>
+        </p:spPr>
+        <p:style>
+          <a:lnRef idx="1">
+            <a:schemeClr val="dk1"/>
+          </a:lnRef>
+          <a:fillRef idx="0">
+            <a:schemeClr val="dk1"/>
+          </a:fillRef>
+          <a:effectRef idx="0">
+            <a:schemeClr val="dk1"/>
+          </a:effectRef>
+          <a:fontRef idx="minor">
+            <a:schemeClr val="tx1"/>
+          </a:fontRef>
+        </p:style>
+      </p:cxnSp>
+      <p:cxnSp>
+        <p:nvCxnSpPr>
+          <p:cNvPr id="20" name="Straight Connector 19"/>
+          <p:cNvCxnSpPr/>
+          <p:nvPr/>
+        </p:nvCxnSpPr>
+        <p:spPr>
+          <a:xfrm>
+            <a:off x="7505700" y="3149600"/>
+            <a:ext cx="0" cy="203200"/>
+          </a:xfrm>
+          <a:prstGeom prst="line">
+            <a:avLst/>
+          </a:prstGeom>
+        </p:spPr>
+        <p:style>
+          <a:lnRef idx="1">
+            <a:schemeClr val="dk1"/>
+          </a:lnRef>
+          <a:fillRef idx="0">
+            <a:schemeClr val="dk1"/>
+          </a:fillRef>
+          <a:effectRef idx="0">
+            <a:schemeClr val="dk1"/>
+          </a:effectRef>
+          <a:fontRef idx="minor">
+            <a:schemeClr val="tx1"/>
+          </a:fontRef>
+        </p:style>
+      </p:cxnSp>
+      <p:cxnSp>
+        <p:nvCxnSpPr>
+          <p:cNvPr id="22" name="Straight Connector 21"/>
+          <p:cNvCxnSpPr>
+            <a:endCxn id="9" idx="0"/>
+          </p:cNvCxnSpPr>
+          <p:nvPr/>
+        </p:nvCxnSpPr>
+        <p:spPr>
+          <a:xfrm>
+            <a:off x="2609850" y="3149600"/>
+            <a:ext cx="0" cy="203200"/>
+          </a:xfrm>
+          <a:prstGeom prst="line">
+            <a:avLst/>
+          </a:prstGeom>
+        </p:spPr>
+        <p:style>
+          <a:lnRef idx="1">
+            <a:schemeClr val="dk1"/>
+          </a:lnRef>
+          <a:fillRef idx="0">
+            <a:schemeClr val="dk1"/>
+          </a:fillRef>
+          <a:effectRef idx="0">
+            <a:schemeClr val="dk1"/>
+          </a:effectRef>
+          <a:fontRef idx="minor">
+            <a:schemeClr val="tx1"/>
+          </a:fontRef>
+        </p:style>
+      </p:cxnSp>
+      <p:cxnSp>
+        <p:nvCxnSpPr>
+          <p:cNvPr id="24" name="Elbow Connector 23"/>
+          <p:cNvCxnSpPr>
+            <a:stCxn id="5" idx="3"/>
+            <a:endCxn id="11" idx="3"/>
+          </p:cNvCxnSpPr>
+          <p:nvPr/>
+        </p:nvCxnSpPr>
+        <p:spPr>
+          <a:xfrm flipH="1" flipV="1">
+            <a:off x="6985000" y="1593382"/>
+            <a:ext cx="2743200" cy="3226268"/>
+          </a:xfrm>
+          <a:prstGeom prst="bentConnector3">
+            <a:avLst>
+              <a:gd name="adj1" fmla="val -25463"/>
+            </a:avLst>
+          </a:prstGeom>
+          <a:ln>
+            <a:tailEnd type="triangle"/>
+          </a:ln>
+        </p:spPr>
+        <p:style>
+          <a:lnRef idx="1">
+            <a:schemeClr val="dk1"/>
+          </a:lnRef>
+          <a:fillRef idx="0">
+            <a:schemeClr val="dk1"/>
+          </a:fillRef>
+          <a:effectRef idx="0">
+            <a:schemeClr val="dk1"/>
+          </a:effectRef>
+          <a:fontRef idx="minor">
+            <a:schemeClr val="tx1"/>
+          </a:fontRef>
+        </p:style>
+      </p:cxnSp>
+      <p:sp>
+        <p:nvSpPr>
+          <p:cNvPr id="26" name="Diamond 25"/>
+          <p:cNvSpPr/>
+          <p:nvPr/>
+        </p:nvSpPr>
+        <p:spPr>
+          <a:xfrm>
+            <a:off x="9728200" y="4749800"/>
+            <a:ext cx="254000" cy="145582"/>
+          </a:xfrm>
+          <a:prstGeom prst="diamond">
+            <a:avLst/>
+          </a:prstGeom>
+          <a:ln>
+            <a:solidFill>
+              <a:schemeClr val="tx1"/>
+            </a:solidFill>
+          </a:ln>
+        </p:spPr>
+        <p:style>
+          <a:lnRef idx="2">
+            <a:schemeClr val="accent6"/>
+          </a:lnRef>
+          <a:fillRef idx="1">
+            <a:schemeClr val="lt1"/>
+          </a:fillRef>
+          <a:effectRef idx="0">
+            <a:schemeClr val="accent6"/>
+          </a:effectRef>
+          <a:fontRef idx="minor">
+            <a:schemeClr val="dk1"/>
+          </a:fontRef>
+        </p:style>
+        <p:txBody>
+          <a:bodyPr rtlCol="0" anchor="ctr"/>
+          <a:lstStyle/>
+          <a:p>
+            <a:pPr algn="ctr"/>
+            <a:endParaRPr lang="fr-FR"/>
+          </a:p>
+        </p:txBody>
+      </p:sp>
+      <p:sp>
+        <p:nvSpPr>
+          <p:cNvPr id="27" name="TextBox 26"/>
+          <p:cNvSpPr txBox="1"/>
+          <p:nvPr/>
+        </p:nvSpPr>
+        <p:spPr>
+          <a:xfrm>
+            <a:off x="7150100" y="1295400"/>
+            <a:ext cx="455574" cy="307777"/>
+          </a:xfrm>
+          <a:prstGeom prst="rect">
+            <a:avLst/>
+          </a:prstGeom>
+          <a:noFill/>
+        </p:spPr>
+        <p:txBody>
+          <a:bodyPr wrap="none" rtlCol="0">
+            <a:spAutoFit/>
+          </a:bodyPr>
+          <a:lstStyle/>
+          <a:p>
+            <a:r>
+              <a:rPr lang="fr-FR" sz="1400" dirty="0" smtClean="0"/>
+              <a:t>0..*</a:t>
+            </a:r>
+            <a:endParaRPr lang="fr-FR" sz="1400" dirty="0"/>
+          </a:p>
+        </p:txBody>
+      </p:sp>
+      <p:sp>
+        <p:nvSpPr>
+          <p:cNvPr id="28" name="TextBox 27"/>
+          <p:cNvSpPr txBox="1"/>
+          <p:nvPr/>
+        </p:nvSpPr>
+        <p:spPr>
+          <a:xfrm>
+            <a:off x="9855200" y="4483100"/>
+            <a:ext cx="276038" cy="307777"/>
+          </a:xfrm>
+          <a:prstGeom prst="rect">
+            <a:avLst/>
+          </a:prstGeom>
+          <a:noFill/>
+        </p:spPr>
+        <p:txBody>
+          <a:bodyPr wrap="none" rtlCol="0">
+            <a:spAutoFit/>
+          </a:bodyPr>
+          <a:lstStyle/>
+          <a:p>
+            <a:r>
+              <a:rPr lang="fr-FR" sz="1400" dirty="0" smtClean="0"/>
+              <a:t>1</a:t>
+            </a:r>
+            <a:endParaRPr lang="fr-FR" dirty="0"/>
+          </a:p>
+        </p:txBody>
+      </p:sp>
+    </p:spTree>
+    <p:extLst>
+      <p:ext uri="{BB962C8B-B14F-4D97-AF65-F5344CB8AC3E}">
+        <p14:creationId xmlns:p14="http://schemas.microsoft.com/office/powerpoint/2010/main" val="3309916308"/>
+      </p:ext>
+    </p:extLst>
+  </p:cSld>
+  <p:clrMapOvr>
+    <a:masterClrMapping/>
+  </p:clrMapOvr>
+</p:sld>
+</file>
+
+<file path=ppt/slides/slide2.xml><?xml version="1.0" encoding="utf-8"?>
+<p:sld xmlns:a="http://schemas.openxmlformats.org/drawingml/2006/main" xmlns:r="http://schemas.openxmlformats.org/officeDocument/2006/relationships" xmlns:p="http://schemas.openxmlformats.org/presentationml/2006/main">
+  <p:cSld>
+    <p:spTree>
+      <p:nvGrpSpPr>
+        <p:cNvPr id="1" name=""/>
+        <p:cNvGrpSpPr/>
+        <p:nvPr/>
+      </p:nvGrpSpPr>
+      <p:grpSpPr>
+        <a:xfrm>
+          <a:off x="0" y="0"/>
+          <a:ext cx="0" cy="0"/>
+          <a:chOff x="0" y="0"/>
+          <a:chExt cx="0" cy="0"/>
+        </a:xfrm>
+      </p:grpSpPr>
+      <p:grpSp>
+        <p:nvGrpSpPr>
           <p:cNvPr id="12" name="Group 11"/>
           <p:cNvGrpSpPr/>
           <p:nvPr/>
@@ -4049,14 +5010,198 @@
       </p:cxnSp>
       <p:sp>
         <p:nvSpPr>
-          <p:cNvPr id="67" name="Isosceles Triangle 66"/>
+          <p:cNvPr id="68" name="TextBox 67"/>
+          <p:cNvSpPr txBox="1"/>
+          <p:nvPr/>
+        </p:nvSpPr>
+        <p:spPr>
+          <a:xfrm>
+            <a:off x="6527800" y="5729839"/>
+            <a:ext cx="276038" cy="307777"/>
+          </a:xfrm>
+          <a:prstGeom prst="rect">
+            <a:avLst/>
+          </a:prstGeom>
+          <a:noFill/>
+        </p:spPr>
+        <p:txBody>
+          <a:bodyPr wrap="none" rtlCol="0">
+            <a:spAutoFit/>
+          </a:bodyPr>
+          <a:lstStyle/>
+          <a:p>
+            <a:r>
+              <a:rPr lang="fr-FR" sz="1400" dirty="0" smtClean="0"/>
+              <a:t>1</a:t>
+            </a:r>
+            <a:endParaRPr lang="fr-FR" dirty="0"/>
+          </a:p>
+        </p:txBody>
+      </p:sp>
+      <p:sp>
+        <p:nvSpPr>
+          <p:cNvPr id="69" name="TextBox 68"/>
+          <p:cNvSpPr txBox="1"/>
+          <p:nvPr/>
+        </p:nvSpPr>
+        <p:spPr>
+          <a:xfrm>
+            <a:off x="4953000" y="5729839"/>
+            <a:ext cx="276038" cy="307777"/>
+          </a:xfrm>
+          <a:prstGeom prst="rect">
+            <a:avLst/>
+          </a:prstGeom>
+          <a:noFill/>
+        </p:spPr>
+        <p:txBody>
+          <a:bodyPr wrap="none" rtlCol="0">
+            <a:spAutoFit/>
+          </a:bodyPr>
+          <a:lstStyle/>
+          <a:p>
+            <a:r>
+              <a:rPr lang="fr-FR" sz="1400" dirty="0" smtClean="0"/>
+              <a:t>1</a:t>
+            </a:r>
+            <a:endParaRPr lang="fr-FR" dirty="0"/>
+          </a:p>
+        </p:txBody>
+      </p:sp>
+      <p:sp>
+        <p:nvSpPr>
+          <p:cNvPr id="70" name="TextBox 69"/>
+          <p:cNvSpPr txBox="1"/>
+          <p:nvPr/>
+        </p:nvSpPr>
+        <p:spPr>
+          <a:xfrm>
+            <a:off x="5867400" y="4561439"/>
+            <a:ext cx="276038" cy="307777"/>
+          </a:xfrm>
+          <a:prstGeom prst="rect">
+            <a:avLst/>
+          </a:prstGeom>
+          <a:noFill/>
+        </p:spPr>
+        <p:txBody>
+          <a:bodyPr wrap="none" rtlCol="0">
+            <a:spAutoFit/>
+          </a:bodyPr>
+          <a:lstStyle/>
+          <a:p>
+            <a:r>
+              <a:rPr lang="fr-FR" sz="1400" dirty="0" smtClean="0"/>
+              <a:t>1</a:t>
+            </a:r>
+            <a:endParaRPr lang="fr-FR" dirty="0"/>
+          </a:p>
+        </p:txBody>
+      </p:sp>
+      <p:sp>
+        <p:nvSpPr>
+          <p:cNvPr id="71" name="TextBox 70"/>
+          <p:cNvSpPr txBox="1"/>
+          <p:nvPr/>
+        </p:nvSpPr>
+        <p:spPr>
+          <a:xfrm>
+            <a:off x="5435600" y="4561439"/>
+            <a:ext cx="276038" cy="307777"/>
+          </a:xfrm>
+          <a:prstGeom prst="rect">
+            <a:avLst/>
+          </a:prstGeom>
+          <a:noFill/>
+        </p:spPr>
+        <p:txBody>
+          <a:bodyPr wrap="none" rtlCol="0">
+            <a:spAutoFit/>
+          </a:bodyPr>
+          <a:lstStyle/>
+          <a:p>
+            <a:r>
+              <a:rPr lang="fr-FR" sz="1400" dirty="0" smtClean="0"/>
+              <a:t>1</a:t>
+            </a:r>
+            <a:endParaRPr lang="fr-FR" dirty="0"/>
+          </a:p>
+        </p:txBody>
+      </p:sp>
+      <p:sp>
+        <p:nvSpPr>
+          <p:cNvPr id="72" name="TextBox 71"/>
+          <p:cNvSpPr txBox="1"/>
+          <p:nvPr/>
+        </p:nvSpPr>
+        <p:spPr>
+          <a:xfrm>
+            <a:off x="5588000" y="2199239"/>
+            <a:ext cx="276038" cy="307777"/>
+          </a:xfrm>
+          <a:prstGeom prst="rect">
+            <a:avLst/>
+          </a:prstGeom>
+          <a:noFill/>
+        </p:spPr>
+        <p:txBody>
+          <a:bodyPr wrap="none" rtlCol="0">
+            <a:spAutoFit/>
+          </a:bodyPr>
+          <a:lstStyle/>
+          <a:p>
+            <a:r>
+              <a:rPr lang="fr-FR" sz="1400" dirty="0" smtClean="0"/>
+              <a:t>1</a:t>
+            </a:r>
+            <a:endParaRPr lang="fr-FR" dirty="0"/>
+          </a:p>
+        </p:txBody>
+      </p:sp>
+      <p:sp>
+        <p:nvSpPr>
+          <p:cNvPr id="73" name="TextBox 72"/>
+          <p:cNvSpPr txBox="1"/>
+          <p:nvPr/>
+        </p:nvSpPr>
+        <p:spPr>
+          <a:xfrm>
+            <a:off x="5854700" y="2046839"/>
+            <a:ext cx="455574" cy="307777"/>
+          </a:xfrm>
+          <a:prstGeom prst="rect">
+            <a:avLst/>
+          </a:prstGeom>
+          <a:noFill/>
+        </p:spPr>
+        <p:txBody>
+          <a:bodyPr wrap="none" rtlCol="0">
+            <a:spAutoFit/>
+          </a:bodyPr>
+          <a:lstStyle/>
+          <a:p>
+            <a:r>
+              <a:rPr lang="fr-FR" sz="1400" dirty="0"/>
+              <a:t>1</a:t>
+            </a:r>
+            <a:r>
+              <a:rPr lang="fr-FR" sz="1400" dirty="0" smtClean="0"/>
+              <a:t>..*</a:t>
+            </a:r>
+            <a:endParaRPr lang="fr-FR" dirty="0"/>
+          </a:p>
+        </p:txBody>
+      </p:sp>
+      <p:sp>
+        <p:nvSpPr>
+          <p:cNvPr id="74" name="Isosceles Triangle 73"/>
           <p:cNvSpPr/>
           <p:nvPr/>
         </p:nvSpPr>
         <p:spPr>
           <a:xfrm>
-            <a:off x="5702300" y="4533900"/>
-            <a:ext cx="165099" cy="177800"/>
+            <a:off x="5715000" y="4521200"/>
+            <a:ext cx="152400" cy="190500"/>
           </a:xfrm>
           <a:prstGeom prst="triangle">
             <a:avLst/>
@@ -4094,6 +5239,274 @@
     <p:extLst>
       <p:ext uri="{BB962C8B-B14F-4D97-AF65-F5344CB8AC3E}">
         <p14:creationId xmlns:p14="http://schemas.microsoft.com/office/powerpoint/2010/main" val="3389455959"/>
+      </p:ext>
+    </p:extLst>
+  </p:cSld>
+  <p:clrMapOvr>
+    <a:masterClrMapping/>
+  </p:clrMapOvr>
+</p:sld>
+</file>
+
+<file path=ppt/slides/slide3.xml><?xml version="1.0" encoding="utf-8"?>
+<p:sld xmlns:a="http://schemas.openxmlformats.org/drawingml/2006/main" xmlns:r="http://schemas.openxmlformats.org/officeDocument/2006/relationships" xmlns:p="http://schemas.openxmlformats.org/presentationml/2006/main">
+  <p:cSld>
+    <p:spTree>
+      <p:nvGrpSpPr>
+        <p:cNvPr id="1" name=""/>
+        <p:cNvGrpSpPr/>
+        <p:nvPr/>
+      </p:nvGrpSpPr>
+      <p:grpSpPr>
+        <a:xfrm>
+          <a:off x="0" y="0"/>
+          <a:ext cx="0" cy="0"/>
+          <a:chOff x="0" y="0"/>
+          <a:chExt cx="0" cy="0"/>
+        </a:xfrm>
+      </p:grpSpPr>
+      <p:grpSp>
+        <p:nvGrpSpPr>
+          <p:cNvPr id="2" name="Group 1"/>
+          <p:cNvGrpSpPr/>
+          <p:nvPr/>
+        </p:nvGrpSpPr>
+        <p:grpSpPr>
+          <a:xfrm>
+            <a:off x="3937000" y="2400300"/>
+            <a:ext cx="4178300" cy="2082800"/>
+            <a:chOff x="3657600" y="266700"/>
+            <a:chExt cx="3175000" cy="2413000"/>
+          </a:xfrm>
+        </p:grpSpPr>
+        <p:sp>
+          <p:nvSpPr>
+            <p:cNvPr id="3" name="Rectangle 2"/>
+            <p:cNvSpPr/>
+            <p:nvPr/>
+          </p:nvSpPr>
+          <p:spPr>
+            <a:xfrm>
+              <a:off x="3657600" y="266700"/>
+              <a:ext cx="3175000" cy="2413000"/>
+            </a:xfrm>
+            <a:prstGeom prst="rect">
+              <a:avLst/>
+            </a:prstGeom>
+            <a:solidFill>
+              <a:schemeClr val="accent4">
+                <a:lumMod val="20000"/>
+                <a:lumOff val="80000"/>
+              </a:schemeClr>
+            </a:solidFill>
+          </p:spPr>
+          <p:style>
+            <a:lnRef idx="2">
+              <a:schemeClr val="accent6"/>
+            </a:lnRef>
+            <a:fillRef idx="1">
+              <a:schemeClr val="lt1"/>
+            </a:fillRef>
+            <a:effectRef idx="0">
+              <a:schemeClr val="accent6"/>
+            </a:effectRef>
+            <a:fontRef idx="minor">
+              <a:schemeClr val="dk1"/>
+            </a:fontRef>
+          </p:style>
+          <p:txBody>
+            <a:bodyPr rtlCol="0" anchor="ctr"/>
+            <a:lstStyle/>
+            <a:p>
+              <a:pPr algn="ctr"/>
+              <a:endParaRPr lang="fr-FR" sz="1200" dirty="0" smtClean="0"/>
+            </a:p>
+            <a:p>
+              <a:pPr algn="ctr"/>
+              <a:endParaRPr lang="fr-FR" sz="1200" dirty="0"/>
+            </a:p>
+            <a:p>
+              <a:pPr algn="ctr"/>
+              <a:endParaRPr lang="fr-FR" sz="1200" dirty="0" smtClean="0"/>
+            </a:p>
+            <a:p>
+              <a:pPr algn="ctr"/>
+              <a:endParaRPr lang="fr-FR" sz="1200" dirty="0" smtClean="0"/>
+            </a:p>
+            <a:p>
+              <a:pPr algn="ctr"/>
+              <a:r>
+                <a:rPr lang="fr-FR" sz="1200" dirty="0" smtClean="0"/>
+                <a:t>+ Chemin() : Chemin</a:t>
+              </a:r>
+            </a:p>
+            <a:p>
+              <a:pPr algn="ctr"/>
+              <a:r>
+                <a:rPr lang="fr-FR" sz="1200" dirty="0" smtClean="0"/>
+                <a:t>+ </a:t>
+              </a:r>
+              <a:r>
+                <a:rPr lang="fr-FR" sz="1200" dirty="0" err="1" smtClean="0"/>
+                <a:t>creerChemin</a:t>
+              </a:r>
+              <a:r>
+                <a:rPr lang="fr-FR" sz="1200" dirty="0" smtClean="0"/>
+                <a:t>() : Chemin</a:t>
+              </a:r>
+            </a:p>
+            <a:p>
+              <a:pPr algn="ctr"/>
+              <a:r>
+                <a:rPr lang="fr-FR" sz="1200" dirty="0" smtClean="0"/>
+                <a:t>+ </a:t>
+              </a:r>
+              <a:r>
+                <a:rPr lang="fr-FR" sz="1200" dirty="0" err="1" smtClean="0"/>
+                <a:t>getPosition</a:t>
+              </a:r>
+              <a:r>
+                <a:rPr lang="fr-FR" sz="1200" dirty="0" smtClean="0"/>
+                <a:t>() : Position</a:t>
+              </a:r>
+            </a:p>
+            <a:p>
+              <a:pPr algn="ctr"/>
+              <a:r>
+                <a:rPr lang="fr-FR" sz="1200" dirty="0" smtClean="0"/>
+                <a:t>+ </a:t>
+              </a:r>
+              <a:r>
+                <a:rPr lang="fr-FR" sz="1200" dirty="0" err="1" smtClean="0"/>
+                <a:t>setPosition</a:t>
+              </a:r>
+              <a:r>
+                <a:rPr lang="fr-FR" sz="1200" dirty="0" smtClean="0"/>
+                <a:t>(Position) : </a:t>
+              </a:r>
+              <a:r>
+                <a:rPr lang="fr-FR" sz="1200" dirty="0" err="1" smtClean="0"/>
+                <a:t>void</a:t>
+              </a:r>
+              <a:endParaRPr lang="fr-FR" sz="1200" dirty="0" smtClean="0"/>
+            </a:p>
+            <a:p>
+              <a:pPr algn="ctr"/>
+              <a:r>
+                <a:rPr lang="fr-FR" sz="1200" dirty="0" smtClean="0"/>
+                <a:t>+ </a:t>
+              </a:r>
+              <a:r>
+                <a:rPr lang="fr-FR" sz="1200" dirty="0" err="1" smtClean="0"/>
+                <a:t>isRempli</a:t>
+              </a:r>
+              <a:r>
+                <a:rPr lang="fr-FR" sz="1200" dirty="0" smtClean="0"/>
+                <a:t>() : </a:t>
+              </a:r>
+              <a:r>
+                <a:rPr lang="fr-FR" sz="1200" dirty="0" err="1" smtClean="0"/>
+                <a:t>booleen</a:t>
+              </a:r>
+              <a:endParaRPr lang="fr-FR" sz="1200" dirty="0" smtClean="0"/>
+            </a:p>
+            <a:p>
+              <a:pPr algn="ctr"/>
+              <a:r>
+                <a:rPr lang="fr-FR" sz="1200" dirty="0" smtClean="0"/>
+                <a:t>+ </a:t>
+              </a:r>
+              <a:r>
+                <a:rPr lang="fr-FR" sz="1200" dirty="0" err="1" smtClean="0"/>
+                <a:t>setRempli</a:t>
+              </a:r>
+              <a:r>
+                <a:rPr lang="fr-FR" sz="1200" dirty="0" smtClean="0"/>
+                <a:t>(</a:t>
+              </a:r>
+              <a:r>
+                <a:rPr lang="fr-FR" sz="1200" dirty="0" err="1" smtClean="0"/>
+                <a:t>booleen</a:t>
+              </a:r>
+              <a:r>
+                <a:rPr lang="fr-FR" sz="1200" dirty="0" smtClean="0"/>
+                <a:t>) : </a:t>
+              </a:r>
+              <a:r>
+                <a:rPr lang="fr-FR" sz="1200" dirty="0" err="1" smtClean="0"/>
+                <a:t>void</a:t>
+              </a:r>
+              <a:endParaRPr lang="fr-FR" sz="1200" dirty="0"/>
+            </a:p>
+          </p:txBody>
+        </p:sp>
+        <p:sp>
+          <p:nvSpPr>
+            <p:cNvPr id="4" name="Rectangle 3"/>
+            <p:cNvSpPr/>
+            <p:nvPr/>
+          </p:nvSpPr>
+          <p:spPr>
+            <a:xfrm>
+              <a:off x="3657600" y="266700"/>
+              <a:ext cx="3175000" cy="850900"/>
+            </a:xfrm>
+            <a:prstGeom prst="rect">
+              <a:avLst/>
+            </a:prstGeom>
+            <a:solidFill>
+              <a:schemeClr val="accent4">
+                <a:lumMod val="20000"/>
+                <a:lumOff val="80000"/>
+              </a:schemeClr>
+            </a:solidFill>
+          </p:spPr>
+          <p:style>
+            <a:lnRef idx="2">
+              <a:schemeClr val="accent6"/>
+            </a:lnRef>
+            <a:fillRef idx="1">
+              <a:schemeClr val="lt1"/>
+            </a:fillRef>
+            <a:effectRef idx="0">
+              <a:schemeClr val="accent6"/>
+            </a:effectRef>
+            <a:fontRef idx="minor">
+              <a:schemeClr val="dk1"/>
+            </a:fontRef>
+          </p:style>
+          <p:txBody>
+            <a:bodyPr rtlCol="0" anchor="ctr"/>
+            <a:lstStyle/>
+            <a:p>
+              <a:pPr algn="ctr"/>
+              <a:r>
+                <a:rPr lang="fr-FR" sz="1200" dirty="0" smtClean="0"/>
+                <a:t>&lt;&lt;&lt;Java Interface&gt;&gt;&gt;</a:t>
+              </a:r>
+            </a:p>
+            <a:p>
+              <a:pPr algn="ctr"/>
+              <a:r>
+                <a:rPr lang="fr-FR" dirty="0" smtClean="0"/>
+                <a:t>Chemin</a:t>
+              </a:r>
+            </a:p>
+            <a:p>
+              <a:pPr algn="ctr"/>
+              <a:r>
+                <a:rPr lang="fr-FR" sz="1200" dirty="0" err="1" smtClean="0"/>
+                <a:t>src.abstraction</a:t>
+              </a:r>
+              <a:endParaRPr lang="fr-FR" sz="1200" dirty="0"/>
+            </a:p>
+          </p:txBody>
+        </p:sp>
+      </p:grpSp>
+    </p:spTree>
+    <p:extLst>
+      <p:ext uri="{BB962C8B-B14F-4D97-AF65-F5344CB8AC3E}">
+        <p14:creationId xmlns:p14="http://schemas.microsoft.com/office/powerpoint/2010/main" val="2245591429"/>
       </p:ext>
     </p:extLst>
   </p:cSld>

--- a/patterns.pptx
+++ b/patterns.pptx
@@ -106,6 +106,11 @@
       </a:defRPr>
     </a:lvl9pPr>
   </p:defaultTextStyle>
+  <p:extLst>
+    <p:ext uri="{EFAFB233-063F-42B5-8137-9DF3F51BA10A}">
+      <p15:sldGuideLst xmlns:p15="http://schemas.microsoft.com/office/powerpoint/2012/main"/>
+    </p:ext>
+  </p:extLst>
 </p:presentation>
 </file>
 
@@ -240,7 +245,7 @@
           <a:p>
             <a:fld id="{521BF478-0C26-414D-8719-72C730A4EAD2}" type="datetimeFigureOut">
               <a:rPr lang="fr-FR" smtClean="0"/>
-              <a:t>27/10/2015</a:t>
+              <a:t>01/11/2015</a:t>
             </a:fld>
             <a:endParaRPr lang="fr-FR"/>
           </a:p>
@@ -410,7 +415,7 @@
           <a:p>
             <a:fld id="{521BF478-0C26-414D-8719-72C730A4EAD2}" type="datetimeFigureOut">
               <a:rPr lang="fr-FR" smtClean="0"/>
-              <a:t>27/10/2015</a:t>
+              <a:t>01/11/2015</a:t>
             </a:fld>
             <a:endParaRPr lang="fr-FR"/>
           </a:p>
@@ -590,7 +595,7 @@
           <a:p>
             <a:fld id="{521BF478-0C26-414D-8719-72C730A4EAD2}" type="datetimeFigureOut">
               <a:rPr lang="fr-FR" smtClean="0"/>
-              <a:t>27/10/2015</a:t>
+              <a:t>01/11/2015</a:t>
             </a:fld>
             <a:endParaRPr lang="fr-FR"/>
           </a:p>
@@ -760,7 +765,7 @@
           <a:p>
             <a:fld id="{521BF478-0C26-414D-8719-72C730A4EAD2}" type="datetimeFigureOut">
               <a:rPr lang="fr-FR" smtClean="0"/>
-              <a:t>27/10/2015</a:t>
+              <a:t>01/11/2015</a:t>
             </a:fld>
             <a:endParaRPr lang="fr-FR"/>
           </a:p>
@@ -1006,7 +1011,7 @@
           <a:p>
             <a:fld id="{521BF478-0C26-414D-8719-72C730A4EAD2}" type="datetimeFigureOut">
               <a:rPr lang="fr-FR" smtClean="0"/>
-              <a:t>27/10/2015</a:t>
+              <a:t>01/11/2015</a:t>
             </a:fld>
             <a:endParaRPr lang="fr-FR"/>
           </a:p>
@@ -1238,7 +1243,7 @@
           <a:p>
             <a:fld id="{521BF478-0C26-414D-8719-72C730A4EAD2}" type="datetimeFigureOut">
               <a:rPr lang="fr-FR" smtClean="0"/>
-              <a:t>27/10/2015</a:t>
+              <a:t>01/11/2015</a:t>
             </a:fld>
             <a:endParaRPr lang="fr-FR"/>
           </a:p>
@@ -1605,7 +1610,7 @@
           <a:p>
             <a:fld id="{521BF478-0C26-414D-8719-72C730A4EAD2}" type="datetimeFigureOut">
               <a:rPr lang="fr-FR" smtClean="0"/>
-              <a:t>27/10/2015</a:t>
+              <a:t>01/11/2015</a:t>
             </a:fld>
             <a:endParaRPr lang="fr-FR"/>
           </a:p>
@@ -1723,7 +1728,7 @@
           <a:p>
             <a:fld id="{521BF478-0C26-414D-8719-72C730A4EAD2}" type="datetimeFigureOut">
               <a:rPr lang="fr-FR" smtClean="0"/>
-              <a:t>27/10/2015</a:t>
+              <a:t>01/11/2015</a:t>
             </a:fld>
             <a:endParaRPr lang="fr-FR"/>
           </a:p>
@@ -1818,7 +1823,7 @@
           <a:p>
             <a:fld id="{521BF478-0C26-414D-8719-72C730A4EAD2}" type="datetimeFigureOut">
               <a:rPr lang="fr-FR" smtClean="0"/>
-              <a:t>27/10/2015</a:t>
+              <a:t>01/11/2015</a:t>
             </a:fld>
             <a:endParaRPr lang="fr-FR"/>
           </a:p>
@@ -2095,7 +2100,7 @@
           <a:p>
             <a:fld id="{521BF478-0C26-414D-8719-72C730A4EAD2}" type="datetimeFigureOut">
               <a:rPr lang="fr-FR" smtClean="0"/>
-              <a:t>27/10/2015</a:t>
+              <a:t>01/11/2015</a:t>
             </a:fld>
             <a:endParaRPr lang="fr-FR"/>
           </a:p>
@@ -2348,7 +2353,7 @@
           <a:p>
             <a:fld id="{521BF478-0C26-414D-8719-72C730A4EAD2}" type="datetimeFigureOut">
               <a:rPr lang="fr-FR" smtClean="0"/>
-              <a:t>27/10/2015</a:t>
+              <a:t>01/11/2015</a:t>
             </a:fld>
             <a:endParaRPr lang="fr-FR"/>
           </a:p>
@@ -2561,7 +2566,7 @@
           <a:p>
             <a:fld id="{521BF478-0C26-414D-8719-72C730A4EAD2}" type="datetimeFigureOut">
               <a:rPr lang="fr-FR" smtClean="0"/>
-              <a:t>27/10/2015</a:t>
+              <a:t>01/11/2015</a:t>
             </a:fld>
             <a:endParaRPr lang="fr-FR"/>
           </a:p>
@@ -4163,227 +4168,6 @@
           </p:txBody>
         </p:sp>
       </p:grpSp>
-      <p:grpSp>
-        <p:nvGrpSpPr>
-          <p:cNvPr id="49" name="Group 48"/>
-          <p:cNvGrpSpPr/>
-          <p:nvPr/>
-        </p:nvGrpSpPr>
-        <p:grpSpPr>
-          <a:xfrm>
-            <a:off x="3695700" y="2425700"/>
-            <a:ext cx="4178300" cy="2082800"/>
-            <a:chOff x="3657600" y="266700"/>
-            <a:chExt cx="3175000" cy="2413000"/>
-          </a:xfrm>
-        </p:grpSpPr>
-        <p:sp>
-          <p:nvSpPr>
-            <p:cNvPr id="50" name="Rectangle 49"/>
-            <p:cNvSpPr/>
-            <p:nvPr/>
-          </p:nvSpPr>
-          <p:spPr>
-            <a:xfrm>
-              <a:off x="3657600" y="266700"/>
-              <a:ext cx="3175000" cy="2413000"/>
-            </a:xfrm>
-            <a:prstGeom prst="rect">
-              <a:avLst/>
-            </a:prstGeom>
-            <a:solidFill>
-              <a:schemeClr val="accent4">
-                <a:lumMod val="20000"/>
-                <a:lumOff val="80000"/>
-              </a:schemeClr>
-            </a:solidFill>
-          </p:spPr>
-          <p:style>
-            <a:lnRef idx="2">
-              <a:schemeClr val="accent6"/>
-            </a:lnRef>
-            <a:fillRef idx="1">
-              <a:schemeClr val="lt1"/>
-            </a:fillRef>
-            <a:effectRef idx="0">
-              <a:schemeClr val="accent6"/>
-            </a:effectRef>
-            <a:fontRef idx="minor">
-              <a:schemeClr val="dk1"/>
-            </a:fontRef>
-          </p:style>
-          <p:txBody>
-            <a:bodyPr rtlCol="0" anchor="ctr"/>
-            <a:lstStyle/>
-            <a:p>
-              <a:pPr algn="ctr"/>
-              <a:endParaRPr lang="fr-FR" sz="1200" dirty="0" smtClean="0"/>
-            </a:p>
-            <a:p>
-              <a:pPr algn="ctr"/>
-              <a:endParaRPr lang="fr-FR" sz="1200" dirty="0"/>
-            </a:p>
-            <a:p>
-              <a:pPr algn="ctr"/>
-              <a:endParaRPr lang="fr-FR" sz="1200" dirty="0" smtClean="0"/>
-            </a:p>
-            <a:p>
-              <a:pPr algn="ctr"/>
-              <a:endParaRPr lang="fr-FR" sz="1200" dirty="0" smtClean="0"/>
-            </a:p>
-            <a:p>
-              <a:pPr algn="ctr"/>
-              <a:r>
-                <a:rPr lang="fr-FR" sz="1200" dirty="0" smtClean="0"/>
-                <a:t>+ Graffiti() : Graffiti</a:t>
-              </a:r>
-              <a:endParaRPr lang="fr-FR" sz="1200" dirty="0"/>
-            </a:p>
-            <a:p>
-              <a:pPr algn="ctr"/>
-              <a:r>
-                <a:rPr lang="fr-FR" sz="1200" dirty="0" smtClean="0"/>
-                <a:t>+ dessiner() : </a:t>
-              </a:r>
-              <a:r>
-                <a:rPr lang="fr-FR" sz="1200" dirty="0" err="1" smtClean="0"/>
-                <a:t>void</a:t>
-              </a:r>
-              <a:endParaRPr lang="fr-FR" sz="1200" dirty="0" smtClean="0"/>
-            </a:p>
-            <a:p>
-              <a:pPr algn="ctr"/>
-              <a:r>
-                <a:rPr lang="fr-FR" sz="1200" dirty="0" smtClean="0"/>
-                <a:t>+ remplir() : </a:t>
-              </a:r>
-              <a:r>
-                <a:rPr lang="fr-FR" sz="1200" dirty="0" err="1" smtClean="0"/>
-                <a:t>void</a:t>
-              </a:r>
-              <a:endParaRPr lang="fr-FR" sz="1200" dirty="0" smtClean="0"/>
-            </a:p>
-            <a:p>
-              <a:pPr algn="ctr"/>
-              <a:r>
-                <a:rPr lang="fr-FR" sz="1200" dirty="0" smtClean="0"/>
-                <a:t>+ </a:t>
-              </a:r>
-              <a:r>
-                <a:rPr lang="fr-FR" sz="1200" dirty="0" err="1" smtClean="0"/>
-                <a:t>inserer</a:t>
-              </a:r>
-              <a:r>
-                <a:rPr lang="fr-FR" sz="1200" dirty="0" smtClean="0"/>
-                <a:t>(Dessin) : </a:t>
-              </a:r>
-              <a:r>
-                <a:rPr lang="fr-FR" sz="1200" dirty="0" err="1" smtClean="0"/>
-                <a:t>void</a:t>
-              </a:r>
-              <a:endParaRPr lang="fr-FR" sz="1200" dirty="0" smtClean="0"/>
-            </a:p>
-            <a:p>
-              <a:pPr algn="ctr"/>
-              <a:r>
-                <a:rPr lang="fr-FR" sz="1200" dirty="0" smtClean="0"/>
-                <a:t>+ </a:t>
-              </a:r>
-              <a:r>
-                <a:rPr lang="fr-FR" sz="1200" dirty="0" err="1" smtClean="0"/>
-                <a:t>etiqueter</a:t>
-              </a:r>
-              <a:r>
-                <a:rPr lang="fr-FR" sz="1200" dirty="0" smtClean="0"/>
-                <a:t>(String) : </a:t>
-              </a:r>
-              <a:r>
-                <a:rPr lang="fr-FR" sz="1200" dirty="0" err="1" smtClean="0"/>
-                <a:t>void</a:t>
-              </a:r>
-              <a:endParaRPr lang="fr-FR" sz="1200" dirty="0" smtClean="0"/>
-            </a:p>
-            <a:p>
-              <a:pPr algn="ctr"/>
-              <a:r>
-                <a:rPr lang="fr-FR" sz="1200" dirty="0" smtClean="0"/>
-                <a:t>+ </a:t>
-              </a:r>
-              <a:r>
-                <a:rPr lang="fr-FR" sz="1200" dirty="0" err="1" smtClean="0"/>
-                <a:t>creerGraffiti</a:t>
-              </a:r>
-              <a:r>
-                <a:rPr lang="fr-FR" sz="1200" dirty="0" smtClean="0"/>
-                <a:t>() : Graffiti</a:t>
-              </a:r>
-              <a:endParaRPr lang="fr-FR" sz="1200" dirty="0"/>
-            </a:p>
-          </p:txBody>
-        </p:sp>
-        <p:sp>
-          <p:nvSpPr>
-            <p:cNvPr id="51" name="Rectangle 50"/>
-            <p:cNvSpPr/>
-            <p:nvPr/>
-          </p:nvSpPr>
-          <p:spPr>
-            <a:xfrm>
-              <a:off x="3657600" y="266700"/>
-              <a:ext cx="3175000" cy="850900"/>
-            </a:xfrm>
-            <a:prstGeom prst="rect">
-              <a:avLst/>
-            </a:prstGeom>
-            <a:solidFill>
-              <a:schemeClr val="accent4">
-                <a:lumMod val="20000"/>
-                <a:lumOff val="80000"/>
-              </a:schemeClr>
-            </a:solidFill>
-          </p:spPr>
-          <p:style>
-            <a:lnRef idx="2">
-              <a:schemeClr val="accent6"/>
-            </a:lnRef>
-            <a:fillRef idx="1">
-              <a:schemeClr val="lt1"/>
-            </a:fillRef>
-            <a:effectRef idx="0">
-              <a:schemeClr val="accent6"/>
-            </a:effectRef>
-            <a:fontRef idx="minor">
-              <a:schemeClr val="dk1"/>
-            </a:fontRef>
-          </p:style>
-          <p:txBody>
-            <a:bodyPr rtlCol="0" anchor="ctr"/>
-            <a:lstStyle/>
-            <a:p>
-              <a:pPr algn="ctr"/>
-              <a:r>
-                <a:rPr lang="fr-FR" sz="1200" dirty="0" smtClean="0"/>
-                <a:t>&lt;&lt;&lt;Java Class&gt;&gt;&gt;</a:t>
-              </a:r>
-            </a:p>
-            <a:p>
-              <a:pPr algn="ctr"/>
-              <a:r>
-                <a:rPr lang="fr-FR" dirty="0" smtClean="0"/>
-                <a:t>Graffiti</a:t>
-              </a:r>
-            </a:p>
-            <a:p>
-              <a:pPr algn="ctr"/>
-              <a:r>
-                <a:rPr lang="fr-FR" sz="1200" dirty="0" err="1" smtClean="0"/>
-                <a:t>src.abstraction</a:t>
-              </a:r>
-              <a:endParaRPr lang="fr-FR" sz="1200" dirty="0"/>
-            </a:p>
-          </p:txBody>
-        </p:sp>
-      </p:grpSp>
       <p:cxnSp>
         <p:nvCxnSpPr>
           <p:cNvPr id="53" name="Straight Connector 52"/>
@@ -4712,7 +4496,7 @@
         </p:nvGrpSpPr>
         <p:grpSpPr>
           <a:xfrm>
-            <a:off x="6743700" y="4711700"/>
+            <a:off x="3622488" y="2425700"/>
             <a:ext cx="4178300" cy="2082800"/>
             <a:chOff x="3657600" y="266700"/>
             <a:chExt cx="3175000" cy="2413000"/>
@@ -4959,6 +4743,9 @@
           <a:prstGeom prst="bentConnector2">
             <a:avLst/>
           </a:prstGeom>
+          <a:ln>
+            <a:prstDash val="dash"/>
+          </a:ln>
         </p:spPr>
         <p:style>
           <a:lnRef idx="1">
@@ -4975,69 +4762,6 @@
           </a:fontRef>
         </p:style>
       </p:cxnSp>
-      <p:cxnSp>
-        <p:nvCxnSpPr>
-          <p:cNvPr id="66" name="Elbow Connector 65"/>
-          <p:cNvCxnSpPr>
-            <a:stCxn id="60" idx="1"/>
-            <a:endCxn id="50" idx="2"/>
-          </p:cNvCxnSpPr>
-          <p:nvPr/>
-        </p:nvCxnSpPr>
-        <p:spPr>
-          <a:xfrm rot="10800000">
-            <a:off x="5784850" y="4508500"/>
-            <a:ext cx="958850" cy="1244600"/>
-          </a:xfrm>
-          <a:prstGeom prst="bentConnector2">
-            <a:avLst/>
-          </a:prstGeom>
-        </p:spPr>
-        <p:style>
-          <a:lnRef idx="1">
-            <a:schemeClr val="dk1"/>
-          </a:lnRef>
-          <a:fillRef idx="0">
-            <a:schemeClr val="dk1"/>
-          </a:fillRef>
-          <a:effectRef idx="0">
-            <a:schemeClr val="dk1"/>
-          </a:effectRef>
-          <a:fontRef idx="minor">
-            <a:schemeClr val="tx1"/>
-          </a:fontRef>
-        </p:style>
-      </p:cxnSp>
-      <p:sp>
-        <p:nvSpPr>
-          <p:cNvPr id="68" name="TextBox 67"/>
-          <p:cNvSpPr txBox="1"/>
-          <p:nvPr/>
-        </p:nvSpPr>
-        <p:spPr>
-          <a:xfrm>
-            <a:off x="6527800" y="5729839"/>
-            <a:ext cx="276038" cy="307777"/>
-          </a:xfrm>
-          <a:prstGeom prst="rect">
-            <a:avLst/>
-          </a:prstGeom>
-          <a:noFill/>
-        </p:spPr>
-        <p:txBody>
-          <a:bodyPr wrap="none" rtlCol="0">
-            <a:spAutoFit/>
-          </a:bodyPr>
-          <a:lstStyle/>
-          <a:p>
-            <a:r>
-              <a:rPr lang="fr-FR" sz="1400" dirty="0" smtClean="0"/>
-              <a:t>1</a:t>
-            </a:r>
-            <a:endParaRPr lang="fr-FR" dirty="0"/>
-          </a:p>
-        </p:txBody>
-      </p:sp>
       <p:sp>
         <p:nvSpPr>
           <p:cNvPr id="69" name="TextBox 68"/>
@@ -5047,36 +4771,6 @@
         <p:spPr>
           <a:xfrm>
             <a:off x="4953000" y="5729839"/>
-            <a:ext cx="276038" cy="307777"/>
-          </a:xfrm>
-          <a:prstGeom prst="rect">
-            <a:avLst/>
-          </a:prstGeom>
-          <a:noFill/>
-        </p:spPr>
-        <p:txBody>
-          <a:bodyPr wrap="none" rtlCol="0">
-            <a:spAutoFit/>
-          </a:bodyPr>
-          <a:lstStyle/>
-          <a:p>
-            <a:r>
-              <a:rPr lang="fr-FR" sz="1400" dirty="0" smtClean="0"/>
-              <a:t>1</a:t>
-            </a:r>
-            <a:endParaRPr lang="fr-FR" dirty="0"/>
-          </a:p>
-        </p:txBody>
-      </p:sp>
-      <p:sp>
-        <p:nvSpPr>
-          <p:cNvPr id="70" name="TextBox 69"/>
-          <p:cNvSpPr txBox="1"/>
-          <p:nvPr/>
-        </p:nvSpPr>
-        <p:spPr>
-          <a:xfrm>
-            <a:off x="5867400" y="4561439"/>
             <a:ext cx="276038" cy="307777"/>
           </a:xfrm>
           <a:prstGeom prst="rect">

--- a/patterns.pptx
+++ b/patterns.pptx
@@ -3930,244 +3930,6 @@
           <a:chExt cx="0" cy="0"/>
         </a:xfrm>
       </p:grpSpPr>
-      <p:grpSp>
-        <p:nvGrpSpPr>
-          <p:cNvPr id="12" name="Group 11"/>
-          <p:cNvGrpSpPr/>
-          <p:nvPr/>
-        </p:nvGrpSpPr>
-        <p:grpSpPr>
-          <a:xfrm>
-            <a:off x="3695700" y="25400"/>
-            <a:ext cx="4178300" cy="2082800"/>
-            <a:chOff x="3657600" y="266700"/>
-            <a:chExt cx="3175000" cy="2413000"/>
-          </a:xfrm>
-        </p:grpSpPr>
-        <p:sp>
-          <p:nvSpPr>
-            <p:cNvPr id="13" name="Rectangle 12"/>
-            <p:cNvSpPr/>
-            <p:nvPr/>
-          </p:nvSpPr>
-          <p:spPr>
-            <a:xfrm>
-              <a:off x="3657600" y="266700"/>
-              <a:ext cx="3175000" cy="2413000"/>
-            </a:xfrm>
-            <a:prstGeom prst="rect">
-              <a:avLst/>
-            </a:prstGeom>
-            <a:solidFill>
-              <a:schemeClr val="accent4">
-                <a:lumMod val="20000"/>
-                <a:lumOff val="80000"/>
-              </a:schemeClr>
-            </a:solidFill>
-          </p:spPr>
-          <p:style>
-            <a:lnRef idx="2">
-              <a:schemeClr val="accent6"/>
-            </a:lnRef>
-            <a:fillRef idx="1">
-              <a:schemeClr val="lt1"/>
-            </a:fillRef>
-            <a:effectRef idx="0">
-              <a:schemeClr val="accent6"/>
-            </a:effectRef>
-            <a:fontRef idx="minor">
-              <a:schemeClr val="dk1"/>
-            </a:fontRef>
-          </p:style>
-          <p:txBody>
-            <a:bodyPr rtlCol="0" anchor="ctr"/>
-            <a:lstStyle/>
-            <a:p>
-              <a:pPr algn="ctr"/>
-              <a:endParaRPr lang="fr-FR" sz="1200" dirty="0" smtClean="0"/>
-            </a:p>
-            <a:p>
-              <a:pPr algn="ctr"/>
-              <a:endParaRPr lang="fr-FR" sz="1200" dirty="0"/>
-            </a:p>
-            <a:p>
-              <a:pPr algn="ctr"/>
-              <a:endParaRPr lang="fr-FR" sz="1200" dirty="0" smtClean="0"/>
-            </a:p>
-            <a:p>
-              <a:pPr algn="ctr"/>
-              <a:endParaRPr lang="fr-FR" sz="1200" dirty="0" smtClean="0"/>
-            </a:p>
-            <a:p>
-              <a:pPr algn="ctr"/>
-              <a:r>
-                <a:rPr lang="fr-FR" sz="1200" dirty="0" smtClean="0"/>
-                <a:t>+ </a:t>
-              </a:r>
-              <a:r>
-                <a:rPr lang="fr-FR" sz="1200" dirty="0" err="1" smtClean="0"/>
-                <a:t>DessinComposite</a:t>
-              </a:r>
-              <a:r>
-                <a:rPr lang="fr-FR" sz="1200" dirty="0" smtClean="0"/>
-                <a:t>() : </a:t>
-              </a:r>
-              <a:r>
-                <a:rPr lang="fr-FR" sz="1200" dirty="0" err="1" smtClean="0"/>
-                <a:t>DessinComposite</a:t>
-              </a:r>
-              <a:endParaRPr lang="fr-FR" sz="1200" dirty="0"/>
-            </a:p>
-            <a:p>
-              <a:pPr algn="ctr"/>
-              <a:r>
-                <a:rPr lang="fr-FR" sz="1200" dirty="0" smtClean="0"/>
-                <a:t>+ dessiner() : </a:t>
-              </a:r>
-              <a:r>
-                <a:rPr lang="fr-FR" sz="1200" dirty="0" err="1" smtClean="0"/>
-                <a:t>void</a:t>
-              </a:r>
-              <a:endParaRPr lang="fr-FR" sz="1200" dirty="0" smtClean="0"/>
-            </a:p>
-            <a:p>
-              <a:pPr algn="ctr"/>
-              <a:r>
-                <a:rPr lang="fr-FR" sz="1200" dirty="0" smtClean="0"/>
-                <a:t>+ remplir() : </a:t>
-              </a:r>
-              <a:r>
-                <a:rPr lang="fr-FR" sz="1200" dirty="0" err="1" smtClean="0"/>
-                <a:t>void</a:t>
-              </a:r>
-              <a:endParaRPr lang="fr-FR" sz="1200" dirty="0" smtClean="0"/>
-            </a:p>
-            <a:p>
-              <a:pPr algn="ctr"/>
-              <a:r>
-                <a:rPr lang="fr-FR" sz="1200" dirty="0" smtClean="0"/>
-                <a:t>+ </a:t>
-              </a:r>
-              <a:r>
-                <a:rPr lang="fr-FR" sz="1200" dirty="0" err="1" smtClean="0"/>
-                <a:t>inserer</a:t>
-              </a:r>
-              <a:r>
-                <a:rPr lang="fr-FR" sz="1200" dirty="0" smtClean="0"/>
-                <a:t>(Dessin) : </a:t>
-              </a:r>
-              <a:r>
-                <a:rPr lang="fr-FR" sz="1200" dirty="0" err="1" smtClean="0"/>
-                <a:t>void</a:t>
-              </a:r>
-              <a:endParaRPr lang="fr-FR" sz="1200" dirty="0" smtClean="0"/>
-            </a:p>
-            <a:p>
-              <a:pPr algn="ctr"/>
-              <a:r>
-                <a:rPr lang="fr-FR" sz="1200" dirty="0" smtClean="0"/>
-                <a:t>+ </a:t>
-              </a:r>
-              <a:r>
-                <a:rPr lang="fr-FR" sz="1200" dirty="0" err="1" smtClean="0"/>
-                <a:t>etiqueter</a:t>
-              </a:r>
-              <a:r>
-                <a:rPr lang="fr-FR" sz="1200" dirty="0" smtClean="0"/>
-                <a:t>(String) : </a:t>
-              </a:r>
-              <a:r>
-                <a:rPr lang="fr-FR" sz="1200" dirty="0" err="1" smtClean="0"/>
-                <a:t>void</a:t>
-              </a:r>
-              <a:endParaRPr lang="fr-FR" sz="1200" dirty="0" smtClean="0"/>
-            </a:p>
-            <a:p>
-              <a:pPr algn="ctr"/>
-              <a:r>
-                <a:rPr lang="fr-FR" sz="1200" dirty="0" smtClean="0"/>
-                <a:t>+ </a:t>
-              </a:r>
-              <a:r>
-                <a:rPr lang="fr-FR" sz="1200" dirty="0" err="1" smtClean="0"/>
-                <a:t>creerDessinComposite</a:t>
-              </a:r>
-              <a:r>
-                <a:rPr lang="fr-FR" sz="1200" dirty="0" smtClean="0"/>
-                <a:t>() : </a:t>
-              </a:r>
-              <a:r>
-                <a:rPr lang="fr-FR" sz="1200" dirty="0" err="1" smtClean="0"/>
-                <a:t>DessinComposite</a:t>
-              </a:r>
-              <a:endParaRPr lang="fr-FR" sz="1200" dirty="0"/>
-            </a:p>
-          </p:txBody>
-        </p:sp>
-        <p:sp>
-          <p:nvSpPr>
-            <p:cNvPr id="14" name="Rectangle 13"/>
-            <p:cNvSpPr/>
-            <p:nvPr/>
-          </p:nvSpPr>
-          <p:spPr>
-            <a:xfrm>
-              <a:off x="3657600" y="266700"/>
-              <a:ext cx="3175000" cy="850900"/>
-            </a:xfrm>
-            <a:prstGeom prst="rect">
-              <a:avLst/>
-            </a:prstGeom>
-            <a:solidFill>
-              <a:schemeClr val="accent4">
-                <a:lumMod val="20000"/>
-                <a:lumOff val="80000"/>
-              </a:schemeClr>
-            </a:solidFill>
-          </p:spPr>
-          <p:style>
-            <a:lnRef idx="2">
-              <a:schemeClr val="accent6"/>
-            </a:lnRef>
-            <a:fillRef idx="1">
-              <a:schemeClr val="lt1"/>
-            </a:fillRef>
-            <a:effectRef idx="0">
-              <a:schemeClr val="accent6"/>
-            </a:effectRef>
-            <a:fontRef idx="minor">
-              <a:schemeClr val="dk1"/>
-            </a:fontRef>
-          </p:style>
-          <p:txBody>
-            <a:bodyPr rtlCol="0" anchor="ctr"/>
-            <a:lstStyle/>
-            <a:p>
-              <a:pPr algn="ctr"/>
-              <a:r>
-                <a:rPr lang="fr-FR" sz="1200" dirty="0" smtClean="0"/>
-                <a:t>&lt;&lt;&lt;Java Class&gt;&gt;&gt;</a:t>
-              </a:r>
-            </a:p>
-            <a:p>
-              <a:pPr algn="ctr"/>
-              <a:r>
-                <a:rPr lang="fr-FR" dirty="0" err="1" smtClean="0"/>
-                <a:t>DessinComposite</a:t>
-              </a:r>
-              <a:endParaRPr lang="fr-FR" dirty="0" smtClean="0"/>
-            </a:p>
-            <a:p>
-              <a:pPr algn="ctr"/>
-              <a:r>
-                <a:rPr lang="fr-FR" sz="1200" dirty="0" err="1" smtClean="0"/>
-                <a:t>src.abstraction</a:t>
-              </a:r>
-              <a:endParaRPr lang="fr-FR" sz="1200" dirty="0"/>
-            </a:p>
-          </p:txBody>
-        </p:sp>
-      </p:grpSp>
       <p:cxnSp>
         <p:nvCxnSpPr>
           <p:cNvPr id="53" name="Straight Connector 52"/>
@@ -4929,6 +4691,207 @@
           </a:p>
         </p:txBody>
       </p:sp>
+      <p:grpSp>
+        <p:nvGrpSpPr>
+          <p:cNvPr id="25" name="Group 24"/>
+          <p:cNvGrpSpPr/>
+          <p:nvPr/>
+        </p:nvGrpSpPr>
+        <p:grpSpPr>
+          <a:xfrm>
+            <a:off x="3622488" y="173740"/>
+            <a:ext cx="4178300" cy="1945021"/>
+            <a:chOff x="3657600" y="266700"/>
+            <a:chExt cx="3175000" cy="2413000"/>
+          </a:xfrm>
+        </p:grpSpPr>
+        <p:sp>
+          <p:nvSpPr>
+            <p:cNvPr id="26" name="Rectangle 25"/>
+            <p:cNvSpPr/>
+            <p:nvPr/>
+          </p:nvSpPr>
+          <p:spPr>
+            <a:xfrm>
+              <a:off x="3657600" y="266700"/>
+              <a:ext cx="3175000" cy="2413000"/>
+            </a:xfrm>
+            <a:prstGeom prst="rect">
+              <a:avLst/>
+            </a:prstGeom>
+            <a:solidFill>
+              <a:schemeClr val="accent4">
+                <a:lumMod val="20000"/>
+                <a:lumOff val="80000"/>
+              </a:schemeClr>
+            </a:solidFill>
+          </p:spPr>
+          <p:style>
+            <a:lnRef idx="2">
+              <a:schemeClr val="accent6"/>
+            </a:lnRef>
+            <a:fillRef idx="1">
+              <a:schemeClr val="lt1"/>
+            </a:fillRef>
+            <a:effectRef idx="0">
+              <a:schemeClr val="accent6"/>
+            </a:effectRef>
+            <a:fontRef idx="minor">
+              <a:schemeClr val="dk1"/>
+            </a:fontRef>
+          </p:style>
+          <p:txBody>
+            <a:bodyPr rtlCol="0" anchor="ctr"/>
+            <a:lstStyle/>
+            <a:p>
+              <a:pPr algn="ctr"/>
+              <a:endParaRPr lang="fr-FR" sz="1200" dirty="0" smtClean="0"/>
+            </a:p>
+            <a:p>
+              <a:pPr algn="ctr"/>
+              <a:endParaRPr lang="fr-FR" sz="1200" dirty="0"/>
+            </a:p>
+            <a:p>
+              <a:pPr algn="ctr"/>
+              <a:endParaRPr lang="fr-FR" sz="1200" dirty="0" smtClean="0"/>
+            </a:p>
+            <a:p>
+              <a:pPr algn="ctr"/>
+              <a:endParaRPr lang="fr-FR" sz="1200" dirty="0"/>
+            </a:p>
+            <a:p>
+              <a:pPr algn="ctr"/>
+              <a:r>
+                <a:rPr lang="fr-FR" sz="1200" dirty="0" smtClean="0"/>
+                <a:t>+ dessiner() : </a:t>
+              </a:r>
+              <a:r>
+                <a:rPr lang="fr-FR" sz="1200" dirty="0" err="1" smtClean="0"/>
+                <a:t>void</a:t>
+              </a:r>
+              <a:endParaRPr lang="fr-FR" sz="1200" dirty="0" smtClean="0"/>
+            </a:p>
+            <a:p>
+              <a:pPr algn="ctr"/>
+              <a:r>
+                <a:rPr lang="fr-FR" sz="1200" dirty="0" smtClean="0"/>
+                <a:t>+ remplir() : </a:t>
+              </a:r>
+              <a:r>
+                <a:rPr lang="fr-FR" sz="1200" dirty="0" err="1" smtClean="0"/>
+                <a:t>void</a:t>
+              </a:r>
+              <a:endParaRPr lang="fr-FR" sz="1200" dirty="0" smtClean="0"/>
+            </a:p>
+            <a:p>
+              <a:pPr algn="ctr"/>
+              <a:r>
+                <a:rPr lang="fr-FR" sz="1200" dirty="0" smtClean="0"/>
+                <a:t>+ </a:t>
+              </a:r>
+              <a:r>
+                <a:rPr lang="fr-FR" sz="1200" dirty="0" err="1" smtClean="0"/>
+                <a:t>inserer</a:t>
+              </a:r>
+              <a:r>
+                <a:rPr lang="fr-FR" sz="1200" dirty="0" smtClean="0"/>
+                <a:t>(Dessin) : </a:t>
+              </a:r>
+              <a:r>
+                <a:rPr lang="fr-FR" sz="1200" dirty="0" err="1" smtClean="0"/>
+                <a:t>void</a:t>
+              </a:r>
+              <a:endParaRPr lang="fr-FR" sz="1200" dirty="0" smtClean="0"/>
+            </a:p>
+            <a:p>
+              <a:pPr algn="ctr"/>
+              <a:r>
+                <a:rPr lang="fr-FR" sz="1200" dirty="0" smtClean="0"/>
+                <a:t>+ </a:t>
+              </a:r>
+              <a:r>
+                <a:rPr lang="fr-FR" sz="1200" dirty="0" err="1" smtClean="0"/>
+                <a:t>etiqueter</a:t>
+              </a:r>
+              <a:r>
+                <a:rPr lang="fr-FR" sz="1200" dirty="0" smtClean="0"/>
+                <a:t>(String) : </a:t>
+              </a:r>
+              <a:r>
+                <a:rPr lang="fr-FR" sz="1200" dirty="0" err="1" smtClean="0"/>
+                <a:t>void</a:t>
+              </a:r>
+              <a:endParaRPr lang="fr-FR" sz="1200" dirty="0" smtClean="0"/>
+            </a:p>
+            <a:p>
+              <a:pPr algn="ctr"/>
+              <a:endParaRPr lang="fr-FR" sz="1200" dirty="0"/>
+            </a:p>
+          </p:txBody>
+        </p:sp>
+        <p:sp>
+          <p:nvSpPr>
+            <p:cNvPr id="27" name="Rectangle 26"/>
+            <p:cNvSpPr/>
+            <p:nvPr/>
+          </p:nvSpPr>
+          <p:spPr>
+            <a:xfrm>
+              <a:off x="3657600" y="266700"/>
+              <a:ext cx="3175000" cy="850900"/>
+            </a:xfrm>
+            <a:prstGeom prst="rect">
+              <a:avLst/>
+            </a:prstGeom>
+            <a:solidFill>
+              <a:schemeClr val="accent4">
+                <a:lumMod val="20000"/>
+                <a:lumOff val="80000"/>
+              </a:schemeClr>
+            </a:solidFill>
+          </p:spPr>
+          <p:style>
+            <a:lnRef idx="2">
+              <a:schemeClr val="accent6"/>
+            </a:lnRef>
+            <a:fillRef idx="1">
+              <a:schemeClr val="lt1"/>
+            </a:fillRef>
+            <a:effectRef idx="0">
+              <a:schemeClr val="accent6"/>
+            </a:effectRef>
+            <a:fontRef idx="minor">
+              <a:schemeClr val="dk1"/>
+            </a:fontRef>
+          </p:style>
+          <p:txBody>
+            <a:bodyPr rtlCol="0" anchor="ctr"/>
+            <a:lstStyle/>
+            <a:p>
+              <a:pPr algn="ctr"/>
+              <a:r>
+                <a:rPr lang="fr-FR" sz="1200" dirty="0" smtClean="0"/>
+                <a:t>&lt;&lt;&lt;Java Class&gt;&gt;&gt;</a:t>
+              </a:r>
+            </a:p>
+            <a:p>
+              <a:pPr algn="ctr"/>
+              <a:r>
+                <a:rPr lang="fr-FR" dirty="0" smtClean="0"/>
+                <a:t>Dessin</a:t>
+              </a:r>
+            </a:p>
+            <a:p>
+              <a:pPr algn="ctr"/>
+              <a:r>
+                <a:rPr lang="fr-FR" sz="1200" dirty="0" err="1" smtClean="0"/>
+                <a:t>src.abstraction</a:t>
+              </a:r>
+              <a:endParaRPr lang="fr-FR" sz="1200" dirty="0"/>
+            </a:p>
+          </p:txBody>
+        </p:sp>
+      </p:grpSp>
     </p:spTree>
     <p:extLst>
       <p:ext uri="{BB962C8B-B14F-4D97-AF65-F5344CB8AC3E}">
